--- a/Final Submission/Fine-Grained Fake News Detection System.pptx
+++ b/Final Submission/Fine-Grained Fake News Detection System.pptx
@@ -8721,7 +8721,7 @@
             <a:tbl>
               <a:tblPr>
                 <a:noFill/>
-                <a:tableStyleId>{B95CF62D-02DD-40CC-9E0E-82BCBAE16D6C}</a:tableStyleId>
+                <a:tableStyleId>{38AC001A-CA69-435E-AB2D-45CE6F1DD35A}</a:tableStyleId>
               </a:tblPr>
               <a:tblGrid>
                 <a:gridCol w="2444500"/>
@@ -10073,14 +10073,7 @@
             </a:pPr>
             <a:r>
               <a:rPr lang="en" sz="1700"/>
-              <a:t>We beat State of the Art accuracy (0.274) using pre-trained RoBERTa (0.292) </a:t>
-            </a:r>
-            <a:br>
-              <a:rPr lang="en" sz="1700"/>
-            </a:br>
-            <a:r>
-              <a:rPr lang="en" sz="1700"/>
-              <a:t>(We merged validation data into the training data) but still there is more scope of improvement.</a:t>
+              <a:t>We beat State of the Art accuracy (0.274) using pre-trained RoBERTa (0.292) model.</a:t>
             </a:r>
             <a:endParaRPr sz="1700"/>
           </a:p>
@@ -10356,7 +10349,7 @@
             <a:tbl>
               <a:tblPr>
                 <a:noFill/>
-                <a:tableStyleId>{B95CF62D-02DD-40CC-9E0E-82BCBAE16D6C}</a:tableStyleId>
+                <a:tableStyleId>{38AC001A-CA69-435E-AB2D-45CE6F1DD35A}</a:tableStyleId>
               </a:tblPr>
               <a:tblGrid>
                 <a:gridCol w="2413000"/>
@@ -12682,7 +12675,7 @@
             <a:tbl>
               <a:tblPr>
                 <a:noFill/>
-                <a:tableStyleId>{B95CF62D-02DD-40CC-9E0E-82BCBAE16D6C}</a:tableStyleId>
+                <a:tableStyleId>{38AC001A-CA69-435E-AB2D-45CE6F1DD35A}</a:tableStyleId>
               </a:tblPr>
               <a:tblGrid>
                 <a:gridCol w="2413000"/>
